--- a/slides/ASL-2020-01.pptx
+++ b/slides/ASL-2020-01.pptx
@@ -35764,7 +35764,7 @@
         <p:spPr>
           <a:xfrm>
             <a:off x="219456" y="1243584"/>
-            <a:ext cx="5803538" cy="3252216"/>
+            <a:ext cx="4244056" cy="3252216"/>
           </a:xfrm>
         </p:spPr>
         <p:txBody>
@@ -35846,7 +35846,7 @@
             </a:r>
             <a:r>
               <a:rPr lang="en-US" sz="1800" dirty="0"/>
-              <a:t> al Version Control System  (Versioning)</a:t>
+              <a:t> al Versioning</a:t>
             </a:r>
           </a:p>
           <a:p>
@@ -35873,6 +35873,35 @@
           </a:p>
         </p:txBody>
       </p:sp>
+      <p:pic>
+        <p:nvPicPr>
+          <p:cNvPr id="7" name="Picture 6">
+            <a:extLst>
+              <a:ext uri="{FF2B5EF4-FFF2-40B4-BE49-F238E27FC236}">
+                <a16:creationId xmlns:a16="http://schemas.microsoft.com/office/drawing/2014/main" id="{F06D58B6-D89F-FC44-BED8-BD27D385AD97}"/>
+              </a:ext>
+            </a:extLst>
+          </p:cNvPr>
+          <p:cNvPicPr>
+            <a:picLocks noChangeAspect="1"/>
+          </p:cNvPicPr>
+          <p:nvPr/>
+        </p:nvPicPr>
+        <p:blipFill rotWithShape="1">
+          <a:blip r:embed="rId2"/>
+          <a:srcRect l="29445" r="11296"/>
+          <a:stretch/>
+        </p:blipFill>
+        <p:spPr>
+          <a:xfrm>
+            <a:off x="4572000" y="0"/>
+            <a:ext cx="4572000" cy="5143500"/>
+          </a:xfrm>
+          <a:prstGeom prst="rect">
+            <a:avLst/>
+          </a:prstGeom>
+        </p:spPr>
+      </p:pic>
     </p:spTree>
     <p:extLst>
       <p:ext uri="{BB962C8B-B14F-4D97-AF65-F5344CB8AC3E}">

--- a/slides/ASL-2020-01.pptx
+++ b/slides/ASL-2020-01.pptx
@@ -36021,7 +36021,7 @@
         <p:spPr>
           <a:xfrm>
             <a:off x="219455" y="1243584"/>
-            <a:ext cx="6285379" cy="3252216"/>
+            <a:ext cx="7909937" cy="3252216"/>
           </a:xfrm>
         </p:spPr>
         <p:txBody>
@@ -36042,7 +36042,31 @@
             </a:r>
             <a:r>
               <a:rPr lang="it-IT" sz="1800" dirty="0"/>
-              <a:t>: https://cloud.ibm.com/</a:t>
+              <a:t>: https://</a:t>
+            </a:r>
+            <a:r>
+              <a:rPr lang="it-IT" sz="1800" dirty="0" err="1"/>
+              <a:t>cloud.ibm.com</a:t>
+            </a:r>
+            <a:r>
+              <a:rPr lang="it-IT" sz="1800" dirty="0"/>
+              <a:t>/ - </a:t>
+            </a:r>
+            <a:r>
+              <a:rPr lang="it-IT" sz="1800" b="1" dirty="0" err="1"/>
+              <a:t>https</a:t>
+            </a:r>
+            <a:r>
+              <a:rPr lang="it-IT" sz="1800" b="1" dirty="0"/>
+              <a:t>://</a:t>
+            </a:r>
+            <a:r>
+              <a:rPr lang="it-IT" sz="1800" b="1" dirty="0" err="1"/>
+              <a:t>ibm.co</a:t>
+            </a:r>
+            <a:r>
+              <a:rPr lang="it-IT" sz="1800" b="1" dirty="0"/>
+              <a:t>/39lmiEL</a:t>
             </a:r>
           </a:p>
           <a:p>
@@ -36168,7 +36192,7 @@
             </a:r>
             <a:r>
               <a:rPr lang="it-IT" sz="1800" dirty="0" err="1"/>
-              <a:t>asl-simple-chatbot</a:t>
+              <a:t>pcto-simple-chatbot</a:t>
             </a:r>
             <a:endParaRPr lang="it-IT" sz="1800" dirty="0"/>
           </a:p>

--- a/slides/ASL-2020-01.pptx
+++ b/slides/ASL-2020-01.pptx
@@ -34933,6 +34933,16 @@
               <a:rPr lang="it-IT" dirty="0" err="1"/>
               <a:t>Engineer</a:t>
             </a:r>
+            <a:br>
+              <a:rPr lang="it-IT" dirty="0"/>
+            </a:br>
+            <a:r>
+              <a:rPr lang="it-IT" dirty="0" err="1"/>
+              <a:t>valerio.riva@it.ibm.com</a:t>
+            </a:r>
+            <a:br>
+              <a:rPr lang="it-IT" dirty="0"/>
+            </a:br>
             <a:endParaRPr lang="it-IT" dirty="0"/>
           </a:p>
         </p:txBody>
